--- a/Vortraege/Towards_Haskell.pptx
+++ b/Vortraege/Towards_Haskell.pptx
@@ -174,7 +174,7 @@
   </p:defaultTextStyle>
   <p:extLst>
     <p:ext uri="{EFAFB233-063F-42B5-8137-9DF3F51BA10A}">
-      <p15:sldGuideLst xmlns:p15="http://schemas.microsoft.com/office/powerpoint/2012/main">
+      <p15:sldGuideLst xmlns:p15="http://schemas.microsoft.com/office/powerpoint/2012/main" xmlns="">
         <p15:guide id="1" orient="horz" pos="3213">
           <p15:clr>
             <a:srgbClr val="A4A3A4"/>
@@ -208,7 +208,7 @@
       </p15:sldGuideLst>
     </p:ext>
     <p:ext uri="{2D200454-40CA-4A62-9FC3-DE9A4176ACB9}">
-      <p15:notesGuideLst xmlns:p15="http://schemas.microsoft.com/office/powerpoint/2012/main">
+      <p15:notesGuideLst xmlns:p15="http://schemas.microsoft.com/office/powerpoint/2012/main" xmlns="">
         <p15:guide id="1" orient="horz" pos="3128">
           <p15:clr>
             <a:srgbClr val="A4A3A4"/>
@@ -4248,18 +4248,7 @@
                 <a:ea typeface="Gill Sans" charset="0"/>
                 <a:cs typeface="Gill Sans" charset="0"/>
               </a:rPr>
-              <a:t>no acceptance for “esoteric” (i.e. modern</a:t>
-            </a:r>
-            <a:r>
-              <a:rPr lang="en-US" sz="2600">
-                <a:solidFill>
-                  <a:srgbClr val="262626"/>
-                </a:solidFill>
-                <a:latin typeface="+mn-lt"/>
-                <a:ea typeface="Gill Sans" charset="0"/>
-                <a:cs typeface="Gill Sans" charset="0"/>
-              </a:rPr>
-              <a:t>) </a:t>
+              <a:t>no acceptance for “esoteric” (i.e. modern) </a:t>
             </a:r>
             <a:r>
               <a:rPr lang="en-US" sz="2600" smtClean="0">
@@ -4295,18 +4284,7 @@
                 <a:ea typeface="Gill Sans" charset="0"/>
                 <a:cs typeface="Gill Sans" charset="0"/>
               </a:rPr>
-              <a:t>In </a:t>
-            </a:r>
-            <a:r>
-              <a:rPr lang="en-US" sz="2600" smtClean="0">
-                <a:solidFill>
-                  <a:srgbClr val="262626"/>
-                </a:solidFill>
-                <a:latin typeface="+mn-lt"/>
-                <a:ea typeface="Gill Sans" charset="0"/>
-                <a:cs typeface="Gill Sans" charset="0"/>
-              </a:rPr>
-              <a:t>conservative and laggard enviroment</a:t>
+              <a:t>In conservative and laggard enviroment</a:t>
             </a:r>
             <a:br>
               <a:rPr lang="en-US" sz="2600" smtClean="0">
@@ -4870,21 +4848,13 @@
           <a:p>
             <a:r>
               <a:rPr lang="en-GB" smtClean="0"/>
-              <a:t>Low level </a:t>
-            </a:r>
+              <a:t>Low level problem</a:t>
+            </a:r>
+          </a:p>
+          <a:p>
             <a:r>
               <a:rPr lang="en-GB" smtClean="0"/>
-              <a:t>problem</a:t>
-            </a:r>
-          </a:p>
-          <a:p>
-            <a:r>
-              <a:rPr lang="en-GB" smtClean="0"/>
-              <a:t>real-time </a:t>
-            </a:r>
-            <a:r>
-              <a:rPr lang="en-GB" smtClean="0"/>
-              <a:t>system requirements</a:t>
+              <a:t>real-time system requirements</a:t>
             </a:r>
           </a:p>
           <a:p>
@@ -6528,7 +6498,7 @@
           <a:p>
             <a:r>
               <a:rPr lang="en-GB" smtClean="0"/>
-              <a:t>Completeness</a:t>
+              <a:t>Completeness of Case Distinctions</a:t>
             </a:r>
             <a:endParaRPr lang="en-GB" dirty="0"/>
           </a:p>
@@ -6549,10 +6519,166 @@
           <a:bodyPr/>
           <a:lstStyle/>
           <a:p>
-            <a:r>
-              <a:rPr lang="en-GB" smtClean="0"/>
-              <a:t>Completeness of case distinctions is enforced</a:t>
-            </a:r>
+            <a:pPr marL="0" indent="0">
+              <a:buNone/>
+            </a:pPr>
+            <a:r>
+              <a:rPr lang="en-GB" smtClean="0">
+                <a:latin typeface="Courier New" panose="02070309020205020404" pitchFamily="49" charset="0"/>
+                <a:cs typeface="Courier New" panose="02070309020205020404" pitchFamily="49" charset="0"/>
+              </a:rPr>
+              <a:t>Object obj;</a:t>
+            </a:r>
+          </a:p>
+          <a:p>
+            <a:pPr marL="0" indent="0">
+              <a:buNone/>
+            </a:pPr>
+            <a:r>
+              <a:rPr lang="en-GB" smtClean="0">
+                <a:latin typeface="Courier New" panose="02070309020205020404" pitchFamily="49" charset="0"/>
+                <a:cs typeface="Courier New" panose="02070309020205020404" pitchFamily="49" charset="0"/>
+              </a:rPr>
+              <a:t>&lt;..&gt;</a:t>
+            </a:r>
+          </a:p>
+          <a:p>
+            <a:pPr marL="0" indent="0">
+              <a:buNone/>
+            </a:pPr>
+            <a:r>
+              <a:rPr lang="en-GB" smtClean="0">
+                <a:latin typeface="Courier New" panose="02070309020205020404" pitchFamily="49" charset="0"/>
+                <a:cs typeface="Courier New" panose="02070309020205020404" pitchFamily="49" charset="0"/>
+              </a:rPr>
+              <a:t>obj.function();</a:t>
+            </a:r>
+          </a:p>
+          <a:p>
+            <a:pPr marL="0" indent="0">
+              <a:buNone/>
+            </a:pPr>
+            <a:endParaRPr lang="en-GB">
+              <a:latin typeface="Courier New" panose="02070309020205020404" pitchFamily="49" charset="0"/>
+              <a:cs typeface="Courier New" panose="02070309020205020404" pitchFamily="49" charset="0"/>
+            </a:endParaRPr>
+          </a:p>
+          <a:p>
+            <a:pPr marL="0" indent="0">
+              <a:buNone/>
+            </a:pPr>
+            <a:endParaRPr lang="en-GB" smtClean="0">
+              <a:latin typeface="Courier New" panose="02070309020205020404" pitchFamily="49" charset="0"/>
+              <a:cs typeface="Courier New" panose="02070309020205020404" pitchFamily="49" charset="0"/>
+            </a:endParaRPr>
+          </a:p>
+          <a:p>
+            <a:pPr marL="0" indent="0">
+              <a:buNone/>
+            </a:pPr>
+            <a:endParaRPr lang="en-GB">
+              <a:latin typeface="Courier New" panose="02070309020205020404" pitchFamily="49" charset="0"/>
+              <a:cs typeface="Courier New" panose="02070309020205020404" pitchFamily="49" charset="0"/>
+            </a:endParaRPr>
+          </a:p>
+          <a:p>
+            <a:pPr marL="0" indent="0">
+              <a:buNone/>
+            </a:pPr>
+            <a:endParaRPr lang="en-GB" smtClean="0">
+              <a:latin typeface="Courier New" panose="02070309020205020404" pitchFamily="49" charset="0"/>
+              <a:cs typeface="Courier New" panose="02070309020205020404" pitchFamily="49" charset="0"/>
+            </a:endParaRPr>
+          </a:p>
+          <a:p>
+            <a:pPr marL="0" indent="0">
+              <a:buNone/>
+            </a:pPr>
+            <a:endParaRPr lang="en-GB" smtClean="0">
+              <a:latin typeface="Courier New" panose="02070309020205020404" pitchFamily="49" charset="0"/>
+              <a:cs typeface="Courier New" panose="02070309020205020404" pitchFamily="49" charset="0"/>
+            </a:endParaRPr>
+          </a:p>
+          <a:p>
+            <a:pPr marL="0" indent="0">
+              <a:buNone/>
+            </a:pPr>
+            <a:endParaRPr lang="en-GB">
+              <a:latin typeface="Courier New" panose="02070309020205020404" pitchFamily="49" charset="0"/>
+              <a:cs typeface="Courier New" panose="02070309020205020404" pitchFamily="49" charset="0"/>
+            </a:endParaRPr>
+          </a:p>
+          <a:p>
+            <a:pPr marL="0" indent="0">
+              <a:buNone/>
+            </a:pPr>
+            <a:endParaRPr lang="en-GB" smtClean="0">
+              <a:latin typeface="Courier New" panose="02070309020205020404" pitchFamily="49" charset="0"/>
+              <a:cs typeface="Courier New" panose="02070309020205020404" pitchFamily="49" charset="0"/>
+            </a:endParaRPr>
+          </a:p>
+          <a:p>
+            <a:pPr marL="0" indent="0">
+              <a:buNone/>
+            </a:pPr>
+            <a:endParaRPr lang="en-GB">
+              <a:latin typeface="Courier New" panose="02070309020205020404" pitchFamily="49" charset="0"/>
+              <a:cs typeface="Courier New" panose="02070309020205020404" pitchFamily="49" charset="0"/>
+            </a:endParaRPr>
+          </a:p>
+          <a:p>
+            <a:pPr marL="0" indent="0">
+              <a:buNone/>
+            </a:pPr>
+            <a:r>
+              <a:rPr lang="en-GB" smtClean="0">
+                <a:latin typeface="Courier New" panose="02070309020205020404" pitchFamily="49" charset="0"/>
+                <a:cs typeface="Courier New" panose="02070309020205020404" pitchFamily="49" charset="0"/>
+              </a:rPr>
+              <a:t>case o :: Maybe Value of</a:t>
+            </a:r>
+          </a:p>
+          <a:p>
+            <a:pPr marL="0" indent="0">
+              <a:buNone/>
+            </a:pPr>
+            <a:r>
+              <a:rPr lang="en-GB">
+                <a:latin typeface="Courier New" panose="02070309020205020404" pitchFamily="49" charset="0"/>
+                <a:cs typeface="Courier New" panose="02070309020205020404" pitchFamily="49" charset="0"/>
+              </a:rPr>
+              <a:t>	</a:t>
+            </a:r>
+            <a:r>
+              <a:rPr lang="en-GB" smtClean="0">
+                <a:latin typeface="Courier New" panose="02070309020205020404" pitchFamily="49" charset="0"/>
+                <a:cs typeface="Courier New" panose="02070309020205020404" pitchFamily="49" charset="0"/>
+              </a:rPr>
+              <a:t>Nothing    -&gt; &lt;have to do something here&gt;</a:t>
+            </a:r>
+          </a:p>
+          <a:p>
+            <a:pPr marL="0" indent="0">
+              <a:buNone/>
+            </a:pPr>
+            <a:r>
+              <a:rPr lang="en-GB">
+                <a:latin typeface="Courier New" panose="02070309020205020404" pitchFamily="49" charset="0"/>
+                <a:cs typeface="Courier New" panose="02070309020205020404" pitchFamily="49" charset="0"/>
+              </a:rPr>
+              <a:t>	</a:t>
+            </a:r>
+            <a:r>
+              <a:rPr lang="en-GB" smtClean="0">
+                <a:latin typeface="Courier New" panose="02070309020205020404" pitchFamily="49" charset="0"/>
+                <a:cs typeface="Courier New" panose="02070309020205020404" pitchFamily="49" charset="0"/>
+              </a:rPr>
+              <a:t>Just value -&gt; …</a:t>
+            </a:r>
+            <a:endParaRPr lang="en-GB" smtClean="0">
+              <a:latin typeface="Courier New" panose="02070309020205020404" pitchFamily="49" charset="0"/>
+              <a:cs typeface="Courier New" panose="02070309020205020404" pitchFamily="49" charset="0"/>
+            </a:endParaRPr>
           </a:p>
         </p:txBody>
       </p:sp>
@@ -6565,7 +6691,7 @@
           <p:nvPr/>
         </p:nvPicPr>
         <p:blipFill>
-          <a:blip r:embed="rId3">
+          <a:blip r:embed="rId3" cstate="print">
             <a:extLst>
               <a:ext uri="{28A0092B-C50C-407E-A947-70E740481C1C}">
                 <a14:useLocalDpi xmlns:a14="http://schemas.microsoft.com/office/drawing/2010/main" val="0"/>
@@ -6579,8 +6705,8 @@
         </p:blipFill>
         <p:spPr bwMode="auto">
           <a:xfrm>
-            <a:off x="4872669" y="3249931"/>
-            <a:ext cx="7773954" cy="5821564"/>
+            <a:off x="3131533" y="3284915"/>
+            <a:ext cx="4503287" cy="3372309"/>
           </a:xfrm>
           <a:prstGeom prst="rect">
             <a:avLst/>
@@ -6659,7 +6785,7 @@
         </p:blipFill>
         <p:spPr bwMode="auto">
           <a:xfrm>
-            <a:off x="644522" y="2250633"/>
+            <a:off x="6855541" y="1387991"/>
             <a:ext cx="5281775" cy="3149503"/>
           </a:xfrm>
           <a:prstGeom prst="rect">
@@ -6690,6 +6816,42 @@
           </a:extLst>
         </p:spPr>
       </p:pic>
+      <p:cxnSp>
+        <p:nvCxnSpPr>
+          <p:cNvPr id="6" name="Gerade Verbindung mit Pfeil 5"/>
+          <p:cNvCxnSpPr/>
+          <p:nvPr/>
+        </p:nvCxnSpPr>
+        <p:spPr>
+          <a:xfrm flipV="1">
+            <a:off x="1190445" y="2104845"/>
+            <a:ext cx="5469145" cy="396815"/>
+          </a:xfrm>
+          <a:prstGeom prst="straightConnector1">
+            <a:avLst/>
+          </a:prstGeom>
+          <a:ln w="38100">
+            <a:solidFill>
+              <a:srgbClr val="FF0000"/>
+            </a:solidFill>
+            <a:tailEnd type="arrow"/>
+          </a:ln>
+        </p:spPr>
+        <p:style>
+          <a:lnRef idx="1">
+            <a:schemeClr val="accent1"/>
+          </a:lnRef>
+          <a:fillRef idx="0">
+            <a:schemeClr val="accent1"/>
+          </a:fillRef>
+          <a:effectRef idx="0">
+            <a:schemeClr val="accent1"/>
+          </a:effectRef>
+          <a:fontRef idx="minor">
+            <a:schemeClr val="tx1"/>
+          </a:fontRef>
+        </p:style>
+      </p:cxnSp>
     </p:spTree>
     <p:extLst>
       <p:ext uri="{BB962C8B-B14F-4D97-AF65-F5344CB8AC3E}">
@@ -6940,8 +7102,32 @@
           <a:p>
             <a:r>
               <a:rPr lang="en-GB" smtClean="0"/>
-              <a:t>No need for fixed upper bounds</a:t>
-            </a:r>
+              <a:t>No need for fixed upper </a:t>
+            </a:r>
+            <a:r>
+              <a:rPr lang="en-GB" smtClean="0"/>
+              <a:t>bounds:</a:t>
+            </a:r>
+            <a:br>
+              <a:rPr lang="en-GB" smtClean="0"/>
+            </a:br>
+            <a:r>
+              <a:rPr lang="en-GB" smtClean="0"/>
+              <a:t/>
+            </a:r>
+            <a:br>
+              <a:rPr lang="en-GB" smtClean="0"/>
+            </a:br>
+            <a:r>
+              <a:rPr lang="en-GB" smtClean="0">
+                <a:latin typeface="Courier New" panose="02070309020205020404" pitchFamily="49" charset="0"/>
+                <a:cs typeface="Courier New" panose="02070309020205020404" pitchFamily="49" charset="0"/>
+              </a:rPr>
+              <a:t>char text[100];</a:t>
+            </a:r>
+          </a:p>
+          <a:p>
+            <a:endParaRPr lang="en-GB" smtClean="0"/>
           </a:p>
           <a:p>
             <a:pPr lvl="1"/>
@@ -7036,8 +7222,90 @@
           <a:p>
             <a:r>
               <a:rPr lang="en-GB" smtClean="0"/>
-              <a:t>Mathematical/declarative way of defining lists</a:t>
-            </a:r>
+              <a:t>Mathematical/declarative way of defining </a:t>
+            </a:r>
+            <a:r>
+              <a:rPr lang="en-GB" smtClean="0"/>
+              <a:t>lists</a:t>
+            </a:r>
+          </a:p>
+          <a:p>
+            <a:pPr marL="0" indent="0">
+              <a:buNone/>
+            </a:pPr>
+            <a:endParaRPr lang="en-GB" smtClean="0"/>
+          </a:p>
+          <a:p>
+            <a:pPr marL="0" indent="0">
+              <a:buNone/>
+            </a:pPr>
+            <a:endParaRPr lang="en-GB"/>
+          </a:p>
+          <a:p>
+            <a:pPr marL="0" indent="0">
+              <a:buNone/>
+            </a:pPr>
+            <a:r>
+              <a:rPr lang="en-GB" sz="2400" smtClean="0">
+                <a:latin typeface="Courier New" panose="02070309020205020404" pitchFamily="49" charset="0"/>
+                <a:cs typeface="Courier New" panose="02070309020205020404" pitchFamily="49" charset="0"/>
+              </a:rPr>
+              <a:t>[ x | x &lt;- [1..], not (any (x `isDividableBy`) [2..(x-1)]) ]</a:t>
+            </a:r>
+          </a:p>
+          <a:p>
+            <a:pPr marL="0" indent="0">
+              <a:buNone/>
+            </a:pPr>
+            <a:endParaRPr lang="en-GB" sz="2400" smtClean="0">
+              <a:latin typeface="Courier New" panose="02070309020205020404" pitchFamily="49" charset="0"/>
+              <a:cs typeface="Courier New" panose="02070309020205020404" pitchFamily="49" charset="0"/>
+            </a:endParaRPr>
+          </a:p>
+          <a:p>
+            <a:pPr marL="0" indent="0">
+              <a:buNone/>
+            </a:pPr>
+            <a:r>
+              <a:rPr lang="en-GB" sz="2400" smtClean="0">
+                <a:latin typeface="Courier New" panose="02070309020205020404" pitchFamily="49" charset="0"/>
+                <a:cs typeface="Courier New" panose="02070309020205020404" pitchFamily="49" charset="0"/>
+              </a:rPr>
+              <a:t>where</a:t>
+            </a:r>
+            <a:r>
+              <a:rPr lang="en-GB" sz="2400">
+                <a:latin typeface="Courier New" panose="02070309020205020404" pitchFamily="49" charset="0"/>
+                <a:cs typeface="Courier New" panose="02070309020205020404" pitchFamily="49" charset="0"/>
+              </a:rPr>
+              <a:t/>
+            </a:r>
+            <a:br>
+              <a:rPr lang="en-GB" sz="2400">
+                <a:latin typeface="Courier New" panose="02070309020205020404" pitchFamily="49" charset="0"/>
+                <a:cs typeface="Courier New" panose="02070309020205020404" pitchFamily="49" charset="0"/>
+              </a:rPr>
+            </a:br>
+            <a:endParaRPr lang="en-GB" sz="2400" smtClean="0">
+              <a:latin typeface="Courier New" panose="02070309020205020404" pitchFamily="49" charset="0"/>
+              <a:cs typeface="Courier New" panose="02070309020205020404" pitchFamily="49" charset="0"/>
+            </a:endParaRPr>
+          </a:p>
+          <a:p>
+            <a:pPr marL="0" indent="0">
+              <a:buNone/>
+            </a:pPr>
+            <a:r>
+              <a:rPr lang="en-GB" sz="2400" smtClean="0">
+                <a:latin typeface="Courier New" panose="02070309020205020404" pitchFamily="49" charset="0"/>
+                <a:cs typeface="Courier New" panose="02070309020205020404" pitchFamily="49" charset="0"/>
+              </a:rPr>
+              <a:t>a `isDividableBy` b   =   mod a b == 0</a:t>
+            </a:r>
+            <a:endParaRPr lang="en-GB" sz="2400" smtClean="0">
+              <a:latin typeface="Courier New" panose="02070309020205020404" pitchFamily="49" charset="0"/>
+              <a:cs typeface="Courier New" panose="02070309020205020404" pitchFamily="49" charset="0"/>
+            </a:endParaRPr>
           </a:p>
         </p:txBody>
       </p:sp>
@@ -7127,7 +7395,11 @@
             </a:r>
             <a:r>
               <a:rPr lang="en-GB" smtClean="0"/>
-              <a:t>hassled with explicit memory management</a:t>
+              <a:t>harassed </a:t>
+            </a:r>
+            <a:r>
+              <a:rPr lang="en-GB" smtClean="0"/>
+              <a:t>with explicit memory management</a:t>
             </a:r>
             <a:br>
               <a:rPr lang="en-GB" smtClean="0"/>
@@ -7186,6 +7458,10 @@
             <a:r>
               <a:rPr lang="en-GB" smtClean="0"/>
               <a:t>Forgot</a:t>
+            </a:r>
+            <a:r>
+              <a:rPr lang="en-GB" smtClean="0"/>
+              <a:t/>
             </a:r>
             <a:br>
               <a:rPr lang="en-GB" smtClean="0"/>
@@ -7544,11 +7820,7 @@
           <a:p>
             <a:r>
               <a:rPr lang="en-GB" kern="0" smtClean="0"/>
-              <a:t>Example: </a:t>
-            </a:r>
-            <a:r>
-              <a:rPr lang="en-GB" kern="0" smtClean="0"/>
-              <a:t>Parsing</a:t>
+              <a:t>Example: Parsing</a:t>
             </a:r>
           </a:p>
           <a:p>
@@ -7616,7 +7888,6 @@
               <a:rPr lang="en-GB" kern="0" smtClean="0"/>
               <a:t>Parsing DSL code:</a:t>
             </a:r>
-            <a:endParaRPr lang="en-GB" kern="0" smtClean="0"/>
           </a:p>
         </p:txBody>
       </p:sp>
@@ -11705,15 +11976,7 @@
                 <a:ea typeface="Droid Sans Mono" panose="020B0609030804020204" pitchFamily="49" charset="0"/>
                 <a:cs typeface="Droid Sans Mono" panose="020B0609030804020204" pitchFamily="49" charset="0"/>
               </a:rPr>
-              <a:t>first</a:t>
-            </a:r>
-            <a:r>
-              <a:rPr lang="en-US" sz="2400">
-                <a:latin typeface="Droid Sans Mono" panose="020B0609030804020204" pitchFamily="49" charset="0"/>
-                <a:ea typeface="Droid Sans Mono" panose="020B0609030804020204" pitchFamily="49" charset="0"/>
-                <a:cs typeface="Droid Sans Mono" panose="020B0609030804020204" pitchFamily="49" charset="0"/>
-              </a:rPr>
-              <a:t>] </a:t>
+              <a:t>first] </a:t>
             </a:r>
             <a:r>
               <a:rPr lang="en-US" sz="2400" smtClean="0">
@@ -11797,15 +12060,7 @@
                 <a:ea typeface="Droid Sans Mono" panose="020B0609030804020204" pitchFamily="49" charset="0"/>
                 <a:cs typeface="Droid Sans Mono" panose="020B0609030804020204" pitchFamily="49" charset="0"/>
               </a:rPr>
-              <a:t>bigger  </a:t>
-            </a:r>
-            <a:r>
-              <a:rPr lang="en-US" sz="2400" smtClean="0">
-                <a:latin typeface="Droid Sans Mono" panose="020B0609030804020204" pitchFamily="49" charset="0"/>
-                <a:ea typeface="Droid Sans Mono" panose="020B0609030804020204" pitchFamily="49" charset="0"/>
-                <a:cs typeface="Droid Sans Mono" panose="020B0609030804020204" pitchFamily="49" charset="0"/>
-              </a:rPr>
-              <a:t>= </a:t>
+              <a:t>bigger  = </a:t>
             </a:r>
             <a:r>
               <a:rPr lang="en-US" sz="2400">
@@ -11921,7 +12176,6 @@
               <a:rPr lang="en-US" smtClean="0"/>
               <a:t>it?</a:t>
             </a:r>
-            <a:endParaRPr lang="en-US" smtClean="0"/>
           </a:p>
         </p:txBody>
       </p:sp>
@@ -12867,15 +13121,7 @@
                 <a:ea typeface="Droid Sans Mono" panose="020B0609030804020204" pitchFamily="49" charset="0"/>
                 <a:cs typeface="Droid Sans Mono" panose="020B0609030804020204" pitchFamily="49" charset="0"/>
               </a:rPr>
-              <a:t>first</a:t>
-            </a:r>
-            <a:r>
-              <a:rPr lang="en-US" sz="2400">
-                <a:latin typeface="Droid Sans Mono" panose="020B0609030804020204" pitchFamily="49" charset="0"/>
-                <a:ea typeface="Droid Sans Mono" panose="020B0609030804020204" pitchFamily="49" charset="0"/>
-                <a:cs typeface="Droid Sans Mono" panose="020B0609030804020204" pitchFamily="49" charset="0"/>
-              </a:rPr>
-              <a:t>] </a:t>
+              <a:t>first] </a:t>
             </a:r>
             <a:r>
               <a:rPr lang="en-US" sz="2400" smtClean="0">
@@ -12959,15 +13205,7 @@
                 <a:ea typeface="Droid Sans Mono" panose="020B0609030804020204" pitchFamily="49" charset="0"/>
                 <a:cs typeface="Droid Sans Mono" panose="020B0609030804020204" pitchFamily="49" charset="0"/>
               </a:rPr>
-              <a:t>bigger  </a:t>
-            </a:r>
-            <a:r>
-              <a:rPr lang="en-US" sz="2400" smtClean="0">
-                <a:latin typeface="Droid Sans Mono" panose="020B0609030804020204" pitchFamily="49" charset="0"/>
-                <a:ea typeface="Droid Sans Mono" panose="020B0609030804020204" pitchFamily="49" charset="0"/>
-                <a:cs typeface="Droid Sans Mono" panose="020B0609030804020204" pitchFamily="49" charset="0"/>
-              </a:rPr>
-              <a:t>= </a:t>
+              <a:t>bigger  = </a:t>
             </a:r>
             <a:r>
               <a:rPr lang="en-US" sz="2400">
@@ -13040,13 +13278,8 @@
           <a:p>
             <a:r>
               <a:rPr lang="en-US" smtClean="0"/>
-              <a:t>How to prove </a:t>
-            </a:r>
-            <a:r>
-              <a:rPr lang="en-US" smtClean="0"/>
-              <a:t>it?</a:t>
-            </a:r>
-            <a:endParaRPr lang="en-US" smtClean="0"/>
+              <a:t>How to prove it?</a:t>
+            </a:r>
           </a:p>
         </p:txBody>
       </p:sp>
@@ -13568,15 +13801,7 @@
                 <a:ea typeface="Droid Sans Mono" panose="020B0609030804020204" pitchFamily="49" charset="0"/>
                 <a:cs typeface="Droid Sans Mono" panose="020B0609030804020204" pitchFamily="49" charset="0"/>
               </a:rPr>
-              <a:t>first</a:t>
-            </a:r>
-            <a:r>
-              <a:rPr lang="en-US" sz="2400">
-                <a:latin typeface="Droid Sans Mono" panose="020B0609030804020204" pitchFamily="49" charset="0"/>
-                <a:ea typeface="Droid Sans Mono" panose="020B0609030804020204" pitchFamily="49" charset="0"/>
-                <a:cs typeface="Droid Sans Mono" panose="020B0609030804020204" pitchFamily="49" charset="0"/>
-              </a:rPr>
-              <a:t>] </a:t>
+              <a:t>first] </a:t>
             </a:r>
             <a:r>
               <a:rPr lang="en-US" sz="2400" smtClean="0">
@@ -13724,15 +13949,7 @@
                 <a:ea typeface="Droid Sans Mono" panose="020B0609030804020204" pitchFamily="49" charset="0"/>
                 <a:cs typeface="Droid Sans Mono" panose="020B0609030804020204" pitchFamily="49" charset="0"/>
               </a:rPr>
-              <a:t>bigger  </a:t>
-            </a:r>
-            <a:r>
-              <a:rPr lang="en-US" sz="2400" smtClean="0">
-                <a:latin typeface="Droid Sans Mono" panose="020B0609030804020204" pitchFamily="49" charset="0"/>
-                <a:ea typeface="Droid Sans Mono" panose="020B0609030804020204" pitchFamily="49" charset="0"/>
-                <a:cs typeface="Droid Sans Mono" panose="020B0609030804020204" pitchFamily="49" charset="0"/>
-              </a:rPr>
-              <a:t>= </a:t>
+              <a:t>bigger  = </a:t>
             </a:r>
             <a:r>
               <a:rPr lang="en-US" sz="2400">
@@ -13889,13 +14106,8 @@
           <a:p>
             <a:r>
               <a:rPr lang="en-US" smtClean="0"/>
-              <a:t>How to prove </a:t>
-            </a:r>
-            <a:r>
-              <a:rPr lang="en-US" smtClean="0"/>
-              <a:t>it?</a:t>
-            </a:r>
-            <a:endParaRPr lang="en-US" smtClean="0"/>
+              <a:t>How to prove it?</a:t>
+            </a:r>
           </a:p>
         </p:txBody>
       </p:sp>
@@ -14010,11 +14222,11 @@
   <p:clrMapOvr>
     <a:masterClrMapping/>
   </p:clrMapOvr>
-  <mc:AlternateContent xmlns:mc="http://schemas.openxmlformats.org/markup-compatibility/2006">
-    <mc:Choice xmlns:p14="http://schemas.microsoft.com/office/powerpoint/2010/main" Requires="p14">
+  <mc:AlternateContent xmlns:mc="http://schemas.openxmlformats.org/markup-compatibility/2006" xmlns:p14="http://schemas.microsoft.com/office/powerpoint/2010/main">
+    <mc:Choice Requires="p14">
       <p:transition p14:dur="10"/>
     </mc:Choice>
-    <mc:Fallback>
+    <mc:Fallback xmlns="">
       <p:transition/>
     </mc:Fallback>
   </mc:AlternateContent>
@@ -14731,13 +14943,7 @@
               <a:rPr lang="en-US" sz="2400" b="0" smtClean="0">
                 <a:latin typeface="Eurostile" panose="020B0504020202050204" pitchFamily="34" charset="0"/>
               </a:rPr>
-              <a:t>from magic</a:t>
-            </a:r>
-            <a:r>
-              <a:rPr lang="en-US" sz="2400" b="0" smtClean="0">
-                <a:latin typeface="Eurostile" panose="020B0504020202050204" pitchFamily="34" charset="0"/>
-              </a:rPr>
-              <a:t>.”</a:t>
+              <a:t>from magic.”</a:t>
             </a:r>
           </a:p>
           <a:p>
